--- a/10678009_正式.pptx
+++ b/10678009_正式.pptx
@@ -213,7 +213,7 @@
             <a:fld id="{0F6B68B0-2DD1-45D6-83ED-A32BBE4477B6}" type="datetimeFigureOut">
               <a:rPr lang="zh-TW" altLang="en-US" smtClean="0"/>
               <a:pPr/>
-              <a:t>2018/1/3</a:t>
+              <a:t>2018/1/4</a:t>
             </a:fld>
             <a:endParaRPr lang="zh-TW" altLang="en-US"/>
           </a:p>
@@ -549,6 +549,23 @@
               <a:rPr lang="en-US" altLang="zh-TW" dirty="0" smtClean="0"/>
               <a:t>0.35891648</a:t>
             </a:r>
+            <a:r>
+              <a:rPr lang="zh-TW" altLang="en-US" dirty="0" smtClean="0"/>
+              <a:t>   </a:t>
+            </a:r>
+            <a:r>
+              <a:rPr lang="en-US" altLang="zh-TW" dirty="0" smtClean="0"/>
+              <a:t>10000</a:t>
+            </a:r>
+            <a:r>
+              <a:rPr lang="zh-TW" altLang="en-US" dirty="0" smtClean="0"/>
+              <a:t>次  </a:t>
+            </a:r>
+            <a:r>
+              <a:rPr lang="en-US" altLang="zh-TW" smtClean="0"/>
+              <a:t>[0.015912196,0.984065734]</a:t>
+            </a:r>
+            <a:endParaRPr lang="en-US" altLang="zh-TW" dirty="0" smtClean="0"/>
           </a:p>
         </p:txBody>
       </p:sp>
@@ -719,7 +736,7 @@
             <a:fld id="{5BBEAD13-0566-4C6C-97E7-55F17F24B09F}" type="datetimeFigureOut">
               <a:rPr lang="zh-TW" altLang="en-US" smtClean="0"/>
               <a:pPr/>
-              <a:t>2018/1/3</a:t>
+              <a:t>2018/1/4</a:t>
             </a:fld>
             <a:endParaRPr lang="zh-TW" altLang="en-US"/>
           </a:p>
@@ -1034,7 +1051,7 @@
             <a:fld id="{5BBEAD13-0566-4C6C-97E7-55F17F24B09F}" type="datetimeFigureOut">
               <a:rPr lang="zh-TW" altLang="en-US" smtClean="0"/>
               <a:pPr/>
-              <a:t>2018/1/3</a:t>
+              <a:t>2018/1/4</a:t>
             </a:fld>
             <a:endParaRPr lang="zh-TW" altLang="en-US"/>
           </a:p>
@@ -1221,7 +1238,7 @@
             <a:fld id="{5BBEAD13-0566-4C6C-97E7-55F17F24B09F}" type="datetimeFigureOut">
               <a:rPr lang="zh-TW" altLang="en-US" smtClean="0"/>
               <a:pPr/>
-              <a:t>2018/1/3</a:t>
+              <a:t>2018/1/4</a:t>
             </a:fld>
             <a:endParaRPr lang="zh-TW" altLang="en-US"/>
           </a:p>
@@ -1398,7 +1415,7 @@
             <a:fld id="{5BBEAD13-0566-4C6C-97E7-55F17F24B09F}" type="datetimeFigureOut">
               <a:rPr lang="zh-TW" altLang="en-US" smtClean="0"/>
               <a:pPr/>
-              <a:t>2018/1/3</a:t>
+              <a:t>2018/1/4</a:t>
             </a:fld>
             <a:endParaRPr lang="zh-TW" altLang="en-US"/>
           </a:p>
@@ -1668,7 +1685,7 @@
             <a:fld id="{5BBEAD13-0566-4C6C-97E7-55F17F24B09F}" type="datetimeFigureOut">
               <a:rPr lang="zh-TW" altLang="en-US" smtClean="0"/>
               <a:pPr/>
-              <a:t>2018/1/3</a:t>
+              <a:t>2018/1/4</a:t>
             </a:fld>
             <a:endParaRPr lang="zh-TW" altLang="en-US"/>
           </a:p>
@@ -2138,7 +2155,7 @@
             <a:fld id="{5BBEAD13-0566-4C6C-97E7-55F17F24B09F}" type="datetimeFigureOut">
               <a:rPr lang="zh-TW" altLang="en-US" smtClean="0"/>
               <a:pPr/>
-              <a:t>2018/1/3</a:t>
+              <a:t>2018/1/4</a:t>
             </a:fld>
             <a:endParaRPr lang="zh-TW" altLang="en-US"/>
           </a:p>
@@ -2629,7 +2646,7 @@
             <a:fld id="{5BBEAD13-0566-4C6C-97E7-55F17F24B09F}" type="datetimeFigureOut">
               <a:rPr lang="zh-TW" altLang="en-US" smtClean="0"/>
               <a:pPr/>
-              <a:t>2018/1/3</a:t>
+              <a:t>2018/1/4</a:t>
             </a:fld>
             <a:endParaRPr lang="zh-TW" altLang="en-US"/>
           </a:p>
@@ -2757,7 +2774,7 @@
             <a:fld id="{5BBEAD13-0566-4C6C-97E7-55F17F24B09F}" type="datetimeFigureOut">
               <a:rPr lang="zh-TW" altLang="en-US" smtClean="0"/>
               <a:pPr/>
-              <a:t>2018/1/3</a:t>
+              <a:t>2018/1/4</a:t>
             </a:fld>
             <a:endParaRPr lang="zh-TW" altLang="en-US"/>
           </a:p>
@@ -2903,7 +2920,7 @@
             <a:fld id="{5BBEAD13-0566-4C6C-97E7-55F17F24B09F}" type="datetimeFigureOut">
               <a:rPr lang="zh-TW" altLang="en-US" smtClean="0"/>
               <a:pPr/>
-              <a:t>2018/1/3</a:t>
+              <a:t>2018/1/4</a:t>
             </a:fld>
             <a:endParaRPr lang="zh-TW" altLang="en-US"/>
           </a:p>
@@ -3227,7 +3244,7 @@
             <a:fld id="{5BBEAD13-0566-4C6C-97E7-55F17F24B09F}" type="datetimeFigureOut">
               <a:rPr lang="zh-TW" altLang="en-US" smtClean="0"/>
               <a:pPr/>
-              <a:t>2018/1/3</a:t>
+              <a:t>2018/1/4</a:t>
             </a:fld>
             <a:endParaRPr lang="zh-TW" altLang="en-US"/>
           </a:p>
@@ -3363,7 +3380,7 @@
             <a:fld id="{5BBEAD13-0566-4C6C-97E7-55F17F24B09F}" type="datetimeFigureOut">
               <a:rPr lang="zh-TW" altLang="en-US" smtClean="0"/>
               <a:pPr/>
-              <a:t>2018/1/3</a:t>
+              <a:t>2018/1/4</a:t>
             </a:fld>
             <a:endParaRPr lang="zh-TW" altLang="en-US"/>
           </a:p>
@@ -4146,7 +4163,7 @@
             <a:fld id="{5BBEAD13-0566-4C6C-97E7-55F17F24B09F}" type="datetimeFigureOut">
               <a:rPr lang="zh-TW" altLang="en-US" smtClean="0"/>
               <a:pPr/>
-              <a:t>2018/1/3</a:t>
+              <a:t>2018/1/4</a:t>
             </a:fld>
             <a:endParaRPr lang="zh-TW" altLang="en-US"/>
           </a:p>
@@ -5319,11 +5336,7 @@
             </a:r>
             <a:r>
               <a:rPr lang="en-US" baseline="30000" dirty="0" smtClean="0"/>
-              <a:t>(2</a:t>
-            </a:r>
-            <a:r>
-              <a:rPr lang="en-US" baseline="30000" dirty="0" smtClean="0"/>
-              <a:t>)</a:t>
+              <a:t>(2)</a:t>
             </a:r>
             <a:r>
               <a:rPr lang="en-US" dirty="0" smtClean="0"/>
@@ -5339,11 +5352,7 @@
             </a:r>
             <a:r>
               <a:rPr lang="en-US" dirty="0" smtClean="0"/>
-              <a:t>+ </a:t>
-            </a:r>
-            <a:r>
-              <a:rPr lang="en-US" dirty="0" smtClean="0"/>
-              <a:t>b</a:t>
+              <a:t>+ b</a:t>
             </a:r>
             <a:r>
               <a:rPr lang="en-US" baseline="-25000" dirty="0" smtClean="0"/>
@@ -5351,11 +5360,7 @@
             </a:r>
             <a:r>
               <a:rPr lang="en-US" baseline="30000" dirty="0" smtClean="0"/>
-              <a:t>(2</a:t>
-            </a:r>
-            <a:r>
-              <a:rPr lang="en-US" baseline="30000" dirty="0" smtClean="0"/>
-              <a:t>)</a:t>
+              <a:t>(2)</a:t>
             </a:r>
             <a:r>
               <a:rPr lang="en-US" dirty="0" smtClean="0"/>
@@ -5408,11 +5413,7 @@
             </a:r>
             <a:r>
               <a:rPr lang="zh-TW" altLang="en-US" dirty="0" smtClean="0"/>
-              <a:t>在此</a:t>
-            </a:r>
-            <a:r>
-              <a:rPr lang="zh-TW" altLang="en-US" dirty="0" smtClean="0"/>
-              <a:t>的函數</a:t>
+              <a:t>在此的函數</a:t>
             </a:r>
             <a:r>
               <a:rPr lang="en-US" altLang="zh-TW" dirty="0" smtClean="0"/>
@@ -5420,11 +5421,7 @@
             </a:r>
             <a:r>
               <a:rPr lang="zh-TW" altLang="en-US" dirty="0" smtClean="0"/>
-              <a:t>與</a:t>
-            </a:r>
-            <a:r>
-              <a:rPr lang="zh-TW" altLang="en-US" dirty="0" smtClean="0"/>
-              <a:t>單層感知器的並不一樣，單層的函數</a:t>
+              <a:t>與單層感知器的並不一樣，單層的函數</a:t>
             </a:r>
             <a:r>
               <a:rPr lang="en-US" altLang="zh-TW" dirty="0" smtClean="0"/>
